--- a/figures/Schnakenberg_square.pptx
+++ b/figures/Schnakenberg_square.pptx
@@ -5,8 +5,9 @@
     <p:sldMasterId id="2147483660" r:id="rId1"/>
   </p:sldMasterIdLst>
   <p:sldIdLst>
-    <p:sldId id="257" r:id="rId2"/>
-    <p:sldId id="256" r:id="rId3"/>
+    <p:sldId id="258" r:id="rId2"/>
+    <p:sldId id="257" r:id="rId3"/>
+    <p:sldId id="256" r:id="rId4"/>
   </p:sldIdLst>
   <p:sldSz cx="12192000" cy="14057313"/>
   <p:notesSz cx="6858000" cy="9144000"/>
@@ -244,7 +245,7 @@
           <a:p>
             <a:fld id="{C8497A68-94B9-0D4B-97C3-6FCC5C56FE26}" type="datetimeFigureOut">
               <a:rPr kumimoji="1" lang="zh-CN" altLang="en-US" smtClean="0"/>
-              <a:t>2023/8/31</a:t>
+              <a:t>2023/9/11</a:t>
             </a:fld>
             <a:endParaRPr kumimoji="1" lang="zh-CN" altLang="en-US"/>
           </a:p>
@@ -414,7 +415,7 @@
           <a:p>
             <a:fld id="{C8497A68-94B9-0D4B-97C3-6FCC5C56FE26}" type="datetimeFigureOut">
               <a:rPr kumimoji="1" lang="zh-CN" altLang="en-US" smtClean="0"/>
-              <a:t>2023/8/31</a:t>
+              <a:t>2023/9/11</a:t>
             </a:fld>
             <a:endParaRPr kumimoji="1" lang="zh-CN" altLang="en-US"/>
           </a:p>
@@ -594,7 +595,7 @@
           <a:p>
             <a:fld id="{C8497A68-94B9-0D4B-97C3-6FCC5C56FE26}" type="datetimeFigureOut">
               <a:rPr kumimoji="1" lang="zh-CN" altLang="en-US" smtClean="0"/>
-              <a:t>2023/8/31</a:t>
+              <a:t>2023/9/11</a:t>
             </a:fld>
             <a:endParaRPr kumimoji="1" lang="zh-CN" altLang="en-US"/>
           </a:p>
@@ -764,7 +765,7 @@
           <a:p>
             <a:fld id="{C8497A68-94B9-0D4B-97C3-6FCC5C56FE26}" type="datetimeFigureOut">
               <a:rPr kumimoji="1" lang="zh-CN" altLang="en-US" smtClean="0"/>
-              <a:t>2023/8/31</a:t>
+              <a:t>2023/9/11</a:t>
             </a:fld>
             <a:endParaRPr kumimoji="1" lang="zh-CN" altLang="en-US"/>
           </a:p>
@@ -1008,7 +1009,7 @@
           <a:p>
             <a:fld id="{C8497A68-94B9-0D4B-97C3-6FCC5C56FE26}" type="datetimeFigureOut">
               <a:rPr kumimoji="1" lang="zh-CN" altLang="en-US" smtClean="0"/>
-              <a:t>2023/8/31</a:t>
+              <a:t>2023/9/11</a:t>
             </a:fld>
             <a:endParaRPr kumimoji="1" lang="zh-CN" altLang="en-US"/>
           </a:p>
@@ -1240,7 +1241,7 @@
           <a:p>
             <a:fld id="{C8497A68-94B9-0D4B-97C3-6FCC5C56FE26}" type="datetimeFigureOut">
               <a:rPr kumimoji="1" lang="zh-CN" altLang="en-US" smtClean="0"/>
-              <a:t>2023/8/31</a:t>
+              <a:t>2023/9/11</a:t>
             </a:fld>
             <a:endParaRPr kumimoji="1" lang="zh-CN" altLang="en-US"/>
           </a:p>
@@ -1607,7 +1608,7 @@
           <a:p>
             <a:fld id="{C8497A68-94B9-0D4B-97C3-6FCC5C56FE26}" type="datetimeFigureOut">
               <a:rPr kumimoji="1" lang="zh-CN" altLang="en-US" smtClean="0"/>
-              <a:t>2023/8/31</a:t>
+              <a:t>2023/9/11</a:t>
             </a:fld>
             <a:endParaRPr kumimoji="1" lang="zh-CN" altLang="en-US"/>
           </a:p>
@@ -1725,7 +1726,7 @@
           <a:p>
             <a:fld id="{C8497A68-94B9-0D4B-97C3-6FCC5C56FE26}" type="datetimeFigureOut">
               <a:rPr kumimoji="1" lang="zh-CN" altLang="en-US" smtClean="0"/>
-              <a:t>2023/8/31</a:t>
+              <a:t>2023/9/11</a:t>
             </a:fld>
             <a:endParaRPr kumimoji="1" lang="zh-CN" altLang="en-US"/>
           </a:p>
@@ -1820,7 +1821,7 @@
           <a:p>
             <a:fld id="{C8497A68-94B9-0D4B-97C3-6FCC5C56FE26}" type="datetimeFigureOut">
               <a:rPr kumimoji="1" lang="zh-CN" altLang="en-US" smtClean="0"/>
-              <a:t>2023/8/31</a:t>
+              <a:t>2023/9/11</a:t>
             </a:fld>
             <a:endParaRPr kumimoji="1" lang="zh-CN" altLang="en-US"/>
           </a:p>
@@ -2097,7 +2098,7 @@
           <a:p>
             <a:fld id="{C8497A68-94B9-0D4B-97C3-6FCC5C56FE26}" type="datetimeFigureOut">
               <a:rPr kumimoji="1" lang="zh-CN" altLang="en-US" smtClean="0"/>
-              <a:t>2023/8/31</a:t>
+              <a:t>2023/9/11</a:t>
             </a:fld>
             <a:endParaRPr kumimoji="1" lang="zh-CN" altLang="en-US"/>
           </a:p>
@@ -2354,7 +2355,7 @@
           <a:p>
             <a:fld id="{C8497A68-94B9-0D4B-97C3-6FCC5C56FE26}" type="datetimeFigureOut">
               <a:rPr kumimoji="1" lang="zh-CN" altLang="en-US" smtClean="0"/>
-              <a:t>2023/8/31</a:t>
+              <a:t>2023/9/11</a:t>
             </a:fld>
             <a:endParaRPr kumimoji="1" lang="zh-CN" altLang="en-US"/>
           </a:p>
@@ -2567,7 +2568,7 @@
           <a:p>
             <a:fld id="{C8497A68-94B9-0D4B-97C3-6FCC5C56FE26}" type="datetimeFigureOut">
               <a:rPr kumimoji="1" lang="zh-CN" altLang="en-US" smtClean="0"/>
-              <a:t>2023/8/31</a:t>
+              <a:t>2023/9/11</a:t>
             </a:fld>
             <a:endParaRPr kumimoji="1" lang="zh-CN" altLang="en-US"/>
           </a:p>
@@ -2986,6 +2987,621 @@
           </p:cNvPicPr>
           <p:nvPr/>
         </p:nvPicPr>
+        <p:blipFill rotWithShape="1">
+          <a:blip r:embed="rId2">
+            <a:extLst>
+              <a:ext uri="{28A0092B-C50C-407E-A947-70E740481C1C}">
+                <a14:useLocalDpi xmlns:a14="http://schemas.microsoft.com/office/drawing/2010/main" val="0"/>
+              </a:ext>
+            </a:extLst>
+          </a:blip>
+          <a:srcRect t="12003"/>
+          <a:stretch/>
+        </p:blipFill>
+        <p:spPr bwMode="auto">
+          <a:xfrm>
+            <a:off x="423693" y="595749"/>
+            <a:ext cx="10845800" cy="3453245"/>
+          </a:xfrm>
+          <a:prstGeom prst="rect">
+            <a:avLst/>
+          </a:prstGeom>
+          <a:noFill/>
+          <a:extLst>
+            <a:ext uri="{909E8E84-426E-40DD-AFC4-6F175D3DCCD1}">
+              <a14:hiddenFill xmlns:a14="http://schemas.microsoft.com/office/drawing/2010/main">
+                <a:solidFill>
+                  <a:srgbClr val="FFFFFF"/>
+                </a:solidFill>
+              </a14:hiddenFill>
+            </a:ext>
+          </a:extLst>
+        </p:spPr>
+      </p:pic>
+      <p:pic>
+        <p:nvPicPr>
+          <p:cNvPr id="1028" name="Picture 4">
+            <a:extLst>
+              <a:ext uri="{FF2B5EF4-FFF2-40B4-BE49-F238E27FC236}">
+                <a16:creationId xmlns:a16="http://schemas.microsoft.com/office/drawing/2014/main" id="{6E95872E-F91D-5090-B15A-C8EB18C57C1A}"/>
+              </a:ext>
+            </a:extLst>
+          </p:cNvPr>
+          <p:cNvPicPr>
+            <a:picLocks noChangeAspect="1" noChangeArrowheads="1"/>
+          </p:cNvPicPr>
+          <p:nvPr/>
+        </p:nvPicPr>
+        <p:blipFill>
+          <a:blip r:embed="rId3">
+            <a:extLst>
+              <a:ext uri="{28A0092B-C50C-407E-A947-70E740481C1C}">
+                <a14:useLocalDpi xmlns:a14="http://schemas.microsoft.com/office/drawing/2010/main" val="0"/>
+              </a:ext>
+            </a:extLst>
+          </a:blip>
+          <a:srcRect/>
+          <a:stretch>
+            <a:fillRect/>
+          </a:stretch>
+        </p:blipFill>
+        <p:spPr bwMode="auto">
+          <a:xfrm>
+            <a:off x="565545" y="4048995"/>
+            <a:ext cx="5246633" cy="1994108"/>
+          </a:xfrm>
+          <a:prstGeom prst="rect">
+            <a:avLst/>
+          </a:prstGeom>
+          <a:noFill/>
+          <a:extLst>
+            <a:ext uri="{909E8E84-426E-40DD-AFC4-6F175D3DCCD1}">
+              <a14:hiddenFill xmlns:a14="http://schemas.microsoft.com/office/drawing/2010/main">
+                <a:solidFill>
+                  <a:srgbClr val="FFFFFF"/>
+                </a:solidFill>
+              </a14:hiddenFill>
+            </a:ext>
+          </a:extLst>
+        </p:spPr>
+      </p:pic>
+      <p:pic>
+        <p:nvPicPr>
+          <p:cNvPr id="1030" name="Picture 6">
+            <a:extLst>
+              <a:ext uri="{FF2B5EF4-FFF2-40B4-BE49-F238E27FC236}">
+                <a16:creationId xmlns:a16="http://schemas.microsoft.com/office/drawing/2014/main" id="{8A6CCCA4-C1E7-3479-BDC6-C8E15221A635}"/>
+              </a:ext>
+            </a:extLst>
+          </p:cNvPr>
+          <p:cNvPicPr>
+            <a:picLocks noChangeAspect="1" noChangeArrowheads="1"/>
+          </p:cNvPicPr>
+          <p:nvPr/>
+        </p:nvPicPr>
+        <p:blipFill>
+          <a:blip r:embed="rId4">
+            <a:extLst>
+              <a:ext uri="{28A0092B-C50C-407E-A947-70E740481C1C}">
+                <a14:useLocalDpi xmlns:a14="http://schemas.microsoft.com/office/drawing/2010/main" val="0"/>
+              </a:ext>
+            </a:extLst>
+          </a:blip>
+          <a:srcRect/>
+          <a:stretch>
+            <a:fillRect/>
+          </a:stretch>
+        </p:blipFill>
+        <p:spPr bwMode="auto">
+          <a:xfrm>
+            <a:off x="565545" y="6043103"/>
+            <a:ext cx="5124019" cy="1994108"/>
+          </a:xfrm>
+          <a:prstGeom prst="rect">
+            <a:avLst/>
+          </a:prstGeom>
+          <a:noFill/>
+          <a:extLst>
+            <a:ext uri="{909E8E84-426E-40DD-AFC4-6F175D3DCCD1}">
+              <a14:hiddenFill xmlns:a14="http://schemas.microsoft.com/office/drawing/2010/main">
+                <a:solidFill>
+                  <a:srgbClr val="FFFFFF"/>
+                </a:solidFill>
+              </a14:hiddenFill>
+            </a:ext>
+          </a:extLst>
+        </p:spPr>
+      </p:pic>
+      <p:pic>
+        <p:nvPicPr>
+          <p:cNvPr id="1032" name="Picture 8">
+            <a:extLst>
+              <a:ext uri="{FF2B5EF4-FFF2-40B4-BE49-F238E27FC236}">
+                <a16:creationId xmlns:a16="http://schemas.microsoft.com/office/drawing/2014/main" id="{2776BF8C-8F31-36A0-5B7F-56F26F03AB16}"/>
+              </a:ext>
+            </a:extLst>
+          </p:cNvPr>
+          <p:cNvPicPr>
+            <a:picLocks noChangeAspect="1" noChangeArrowheads="1"/>
+          </p:cNvPicPr>
+          <p:nvPr/>
+        </p:nvPicPr>
+        <p:blipFill>
+          <a:blip r:embed="rId5">
+            <a:extLst>
+              <a:ext uri="{28A0092B-C50C-407E-A947-70E740481C1C}">
+                <a14:useLocalDpi xmlns:a14="http://schemas.microsoft.com/office/drawing/2010/main" val="0"/>
+              </a:ext>
+            </a:extLst>
+          </a:blip>
+          <a:srcRect/>
+          <a:stretch>
+            <a:fillRect/>
+          </a:stretch>
+        </p:blipFill>
+        <p:spPr bwMode="auto">
+          <a:xfrm>
+            <a:off x="565545" y="8037211"/>
+            <a:ext cx="5124019" cy="1994108"/>
+          </a:xfrm>
+          <a:prstGeom prst="rect">
+            <a:avLst/>
+          </a:prstGeom>
+          <a:noFill/>
+          <a:extLst>
+            <a:ext uri="{909E8E84-426E-40DD-AFC4-6F175D3DCCD1}">
+              <a14:hiddenFill xmlns:a14="http://schemas.microsoft.com/office/drawing/2010/main">
+                <a:solidFill>
+                  <a:srgbClr val="FFFFFF"/>
+                </a:solidFill>
+              </a14:hiddenFill>
+            </a:ext>
+          </a:extLst>
+        </p:spPr>
+      </p:pic>
+      <p:pic>
+        <p:nvPicPr>
+          <p:cNvPr id="1034" name="Picture 10">
+            <a:extLst>
+              <a:ext uri="{FF2B5EF4-FFF2-40B4-BE49-F238E27FC236}">
+                <a16:creationId xmlns:a16="http://schemas.microsoft.com/office/drawing/2014/main" id="{88648994-08BE-1043-1D5F-F7B75BC884C5}"/>
+              </a:ext>
+            </a:extLst>
+          </p:cNvPr>
+          <p:cNvPicPr>
+            <a:picLocks noChangeAspect="1" noChangeArrowheads="1"/>
+          </p:cNvPicPr>
+          <p:nvPr/>
+        </p:nvPicPr>
+        <p:blipFill>
+          <a:blip r:embed="rId6">
+            <a:extLst>
+              <a:ext uri="{28A0092B-C50C-407E-A947-70E740481C1C}">
+                <a14:useLocalDpi xmlns:a14="http://schemas.microsoft.com/office/drawing/2010/main" val="0"/>
+              </a:ext>
+            </a:extLst>
+          </a:blip>
+          <a:srcRect/>
+          <a:stretch>
+            <a:fillRect/>
+          </a:stretch>
+        </p:blipFill>
+        <p:spPr bwMode="auto">
+          <a:xfrm>
+            <a:off x="565545" y="10031319"/>
+            <a:ext cx="5214367" cy="1994108"/>
+          </a:xfrm>
+          <a:prstGeom prst="rect">
+            <a:avLst/>
+          </a:prstGeom>
+          <a:noFill/>
+          <a:extLst>
+            <a:ext uri="{909E8E84-426E-40DD-AFC4-6F175D3DCCD1}">
+              <a14:hiddenFill xmlns:a14="http://schemas.microsoft.com/office/drawing/2010/main">
+                <a:solidFill>
+                  <a:srgbClr val="FFFFFF"/>
+                </a:solidFill>
+              </a14:hiddenFill>
+            </a:ext>
+          </a:extLst>
+        </p:spPr>
+      </p:pic>
+      <p:pic>
+        <p:nvPicPr>
+          <p:cNvPr id="1036" name="Picture 12">
+            <a:extLst>
+              <a:ext uri="{FF2B5EF4-FFF2-40B4-BE49-F238E27FC236}">
+                <a16:creationId xmlns:a16="http://schemas.microsoft.com/office/drawing/2014/main" id="{6967B62D-8629-E87C-F22B-65AC49EF1915}"/>
+              </a:ext>
+            </a:extLst>
+          </p:cNvPr>
+          <p:cNvPicPr>
+            <a:picLocks noChangeAspect="1" noChangeArrowheads="1"/>
+          </p:cNvPicPr>
+          <p:nvPr/>
+        </p:nvPicPr>
+        <p:blipFill>
+          <a:blip r:embed="rId7">
+            <a:extLst>
+              <a:ext uri="{28A0092B-C50C-407E-A947-70E740481C1C}">
+                <a14:useLocalDpi xmlns:a14="http://schemas.microsoft.com/office/drawing/2010/main" val="0"/>
+              </a:ext>
+            </a:extLst>
+          </a:blip>
+          <a:srcRect/>
+          <a:stretch>
+            <a:fillRect/>
+          </a:stretch>
+        </p:blipFill>
+        <p:spPr bwMode="auto">
+          <a:xfrm>
+            <a:off x="565545" y="12025427"/>
+            <a:ext cx="5214367" cy="1994108"/>
+          </a:xfrm>
+          <a:prstGeom prst="rect">
+            <a:avLst/>
+          </a:prstGeom>
+          <a:noFill/>
+          <a:extLst>
+            <a:ext uri="{909E8E84-426E-40DD-AFC4-6F175D3DCCD1}">
+              <a14:hiddenFill xmlns:a14="http://schemas.microsoft.com/office/drawing/2010/main">
+                <a:solidFill>
+                  <a:srgbClr val="FFFFFF"/>
+                </a:solidFill>
+              </a14:hiddenFill>
+            </a:ext>
+          </a:extLst>
+        </p:spPr>
+      </p:pic>
+      <p:pic>
+        <p:nvPicPr>
+          <p:cNvPr id="1038" name="Picture 14">
+            <a:extLst>
+              <a:ext uri="{FF2B5EF4-FFF2-40B4-BE49-F238E27FC236}">
+                <a16:creationId xmlns:a16="http://schemas.microsoft.com/office/drawing/2014/main" id="{7EABBAE3-A8F2-6E96-D734-0E6BC3A54C0E}"/>
+              </a:ext>
+            </a:extLst>
+          </p:cNvPr>
+          <p:cNvPicPr>
+            <a:picLocks noChangeAspect="1" noChangeArrowheads="1"/>
+          </p:cNvPicPr>
+          <p:nvPr/>
+        </p:nvPicPr>
+        <p:blipFill>
+          <a:blip r:embed="rId8">
+            <a:extLst>
+              <a:ext uri="{28A0092B-C50C-407E-A947-70E740481C1C}">
+                <a14:useLocalDpi xmlns:a14="http://schemas.microsoft.com/office/drawing/2010/main" val="0"/>
+              </a:ext>
+            </a:extLst>
+          </a:blip>
+          <a:srcRect/>
+          <a:stretch>
+            <a:fillRect/>
+          </a:stretch>
+        </p:blipFill>
+        <p:spPr bwMode="auto">
+          <a:xfrm>
+            <a:off x="6145474" y="4095598"/>
+            <a:ext cx="5124019" cy="1947505"/>
+          </a:xfrm>
+          <a:prstGeom prst="rect">
+            <a:avLst/>
+          </a:prstGeom>
+          <a:noFill/>
+          <a:extLst>
+            <a:ext uri="{909E8E84-426E-40DD-AFC4-6F175D3DCCD1}">
+              <a14:hiddenFill xmlns:a14="http://schemas.microsoft.com/office/drawing/2010/main">
+                <a:solidFill>
+                  <a:srgbClr val="FFFFFF"/>
+                </a:solidFill>
+              </a14:hiddenFill>
+            </a:ext>
+          </a:extLst>
+        </p:spPr>
+      </p:pic>
+      <p:pic>
+        <p:nvPicPr>
+          <p:cNvPr id="1040" name="Picture 16">
+            <a:extLst>
+              <a:ext uri="{FF2B5EF4-FFF2-40B4-BE49-F238E27FC236}">
+                <a16:creationId xmlns:a16="http://schemas.microsoft.com/office/drawing/2014/main" id="{DEC21FC6-D723-28E0-0D01-F99A00C9B661}"/>
+              </a:ext>
+            </a:extLst>
+          </p:cNvPr>
+          <p:cNvPicPr>
+            <a:picLocks noChangeAspect="1" noChangeArrowheads="1"/>
+          </p:cNvPicPr>
+          <p:nvPr/>
+        </p:nvPicPr>
+        <p:blipFill>
+          <a:blip r:embed="rId9">
+            <a:extLst>
+              <a:ext uri="{28A0092B-C50C-407E-A947-70E740481C1C}">
+                <a14:useLocalDpi xmlns:a14="http://schemas.microsoft.com/office/drawing/2010/main" val="0"/>
+              </a:ext>
+            </a:extLst>
+          </a:blip>
+          <a:srcRect/>
+          <a:stretch>
+            <a:fillRect/>
+          </a:stretch>
+        </p:blipFill>
+        <p:spPr bwMode="auto">
+          <a:xfrm>
+            <a:off x="6145474" y="6043103"/>
+            <a:ext cx="5124019" cy="1994108"/>
+          </a:xfrm>
+          <a:prstGeom prst="rect">
+            <a:avLst/>
+          </a:prstGeom>
+          <a:noFill/>
+          <a:extLst>
+            <a:ext uri="{909E8E84-426E-40DD-AFC4-6F175D3DCCD1}">
+              <a14:hiddenFill xmlns:a14="http://schemas.microsoft.com/office/drawing/2010/main">
+                <a:solidFill>
+                  <a:srgbClr val="FFFFFF"/>
+                </a:solidFill>
+              </a14:hiddenFill>
+            </a:ext>
+          </a:extLst>
+        </p:spPr>
+      </p:pic>
+      <p:pic>
+        <p:nvPicPr>
+          <p:cNvPr id="1042" name="Picture 18">
+            <a:extLst>
+              <a:ext uri="{FF2B5EF4-FFF2-40B4-BE49-F238E27FC236}">
+                <a16:creationId xmlns:a16="http://schemas.microsoft.com/office/drawing/2014/main" id="{08CFF5C1-F123-49E1-CABB-E721075B78D1}"/>
+              </a:ext>
+            </a:extLst>
+          </p:cNvPr>
+          <p:cNvPicPr>
+            <a:picLocks noChangeAspect="1" noChangeArrowheads="1"/>
+          </p:cNvPicPr>
+          <p:nvPr/>
+        </p:nvPicPr>
+        <p:blipFill>
+          <a:blip r:embed="rId10">
+            <a:extLst>
+              <a:ext uri="{28A0092B-C50C-407E-A947-70E740481C1C}">
+                <a14:useLocalDpi xmlns:a14="http://schemas.microsoft.com/office/drawing/2010/main" val="0"/>
+              </a:ext>
+            </a:extLst>
+          </a:blip>
+          <a:srcRect/>
+          <a:stretch>
+            <a:fillRect/>
+          </a:stretch>
+        </p:blipFill>
+        <p:spPr bwMode="auto">
+          <a:xfrm>
+            <a:off x="6145474" y="8037210"/>
+            <a:ext cx="5124020" cy="1994109"/>
+          </a:xfrm>
+          <a:prstGeom prst="rect">
+            <a:avLst/>
+          </a:prstGeom>
+          <a:noFill/>
+          <a:extLst>
+            <a:ext uri="{909E8E84-426E-40DD-AFC4-6F175D3DCCD1}">
+              <a14:hiddenFill xmlns:a14="http://schemas.microsoft.com/office/drawing/2010/main">
+                <a:solidFill>
+                  <a:srgbClr val="FFFFFF"/>
+                </a:solidFill>
+              </a14:hiddenFill>
+            </a:ext>
+          </a:extLst>
+        </p:spPr>
+      </p:pic>
+      <p:pic>
+        <p:nvPicPr>
+          <p:cNvPr id="1044" name="Picture 20">
+            <a:extLst>
+              <a:ext uri="{FF2B5EF4-FFF2-40B4-BE49-F238E27FC236}">
+                <a16:creationId xmlns:a16="http://schemas.microsoft.com/office/drawing/2014/main" id="{98D0E483-8DE2-A5EF-A14C-63C5E098E14E}"/>
+              </a:ext>
+            </a:extLst>
+          </p:cNvPr>
+          <p:cNvPicPr>
+            <a:picLocks noChangeAspect="1" noChangeArrowheads="1"/>
+          </p:cNvPicPr>
+          <p:nvPr/>
+        </p:nvPicPr>
+        <p:blipFill>
+          <a:blip r:embed="rId11">
+            <a:extLst>
+              <a:ext uri="{28A0092B-C50C-407E-A947-70E740481C1C}">
+                <a14:useLocalDpi xmlns:a14="http://schemas.microsoft.com/office/drawing/2010/main" val="0"/>
+              </a:ext>
+            </a:extLst>
+          </a:blip>
+          <a:srcRect/>
+          <a:stretch>
+            <a:fillRect/>
+          </a:stretch>
+        </p:blipFill>
+        <p:spPr bwMode="auto">
+          <a:xfrm>
+            <a:off x="6145474" y="10031318"/>
+            <a:ext cx="5124020" cy="1959557"/>
+          </a:xfrm>
+          <a:prstGeom prst="rect">
+            <a:avLst/>
+          </a:prstGeom>
+          <a:noFill/>
+          <a:extLst>
+            <a:ext uri="{909E8E84-426E-40DD-AFC4-6F175D3DCCD1}">
+              <a14:hiddenFill xmlns:a14="http://schemas.microsoft.com/office/drawing/2010/main">
+                <a:solidFill>
+                  <a:srgbClr val="FFFFFF"/>
+                </a:solidFill>
+              </a14:hiddenFill>
+            </a:ext>
+          </a:extLst>
+        </p:spPr>
+      </p:pic>
+      <p:pic>
+        <p:nvPicPr>
+          <p:cNvPr id="1046" name="Picture 22">
+            <a:extLst>
+              <a:ext uri="{FF2B5EF4-FFF2-40B4-BE49-F238E27FC236}">
+                <a16:creationId xmlns:a16="http://schemas.microsoft.com/office/drawing/2014/main" id="{520EEA75-7073-DAD2-D191-A9ACC6E7A005}"/>
+              </a:ext>
+            </a:extLst>
+          </p:cNvPr>
+          <p:cNvPicPr>
+            <a:picLocks noChangeAspect="1" noChangeArrowheads="1"/>
+          </p:cNvPicPr>
+          <p:nvPr/>
+        </p:nvPicPr>
+        <p:blipFill>
+          <a:blip r:embed="rId12">
+            <a:extLst>
+              <a:ext uri="{28A0092B-C50C-407E-A947-70E740481C1C}">
+                <a14:useLocalDpi xmlns:a14="http://schemas.microsoft.com/office/drawing/2010/main" val="0"/>
+              </a:ext>
+            </a:extLst>
+          </a:blip>
+          <a:srcRect/>
+          <a:stretch>
+            <a:fillRect/>
+          </a:stretch>
+        </p:blipFill>
+        <p:spPr bwMode="auto">
+          <a:xfrm>
+            <a:off x="6145474" y="12025425"/>
+            <a:ext cx="5214368" cy="1994109"/>
+          </a:xfrm>
+          <a:prstGeom prst="rect">
+            <a:avLst/>
+          </a:prstGeom>
+          <a:noFill/>
+          <a:extLst>
+            <a:ext uri="{909E8E84-426E-40DD-AFC4-6F175D3DCCD1}">
+              <a14:hiddenFill xmlns:a14="http://schemas.microsoft.com/office/drawing/2010/main">
+                <a:solidFill>
+                  <a:srgbClr val="FFFFFF"/>
+                </a:solidFill>
+              </a14:hiddenFill>
+            </a:ext>
+          </a:extLst>
+        </p:spPr>
+      </p:pic>
+      <p:sp>
+        <p:nvSpPr>
+          <p:cNvPr id="2" name="文本框 1">
+            <a:extLst>
+              <a:ext uri="{FF2B5EF4-FFF2-40B4-BE49-F238E27FC236}">
+                <a16:creationId xmlns:a16="http://schemas.microsoft.com/office/drawing/2014/main" id="{BFF98BE9-5C76-C646-A31D-78F3BAC8B749}"/>
+              </a:ext>
+            </a:extLst>
+          </p:cNvPr>
+          <p:cNvSpPr txBox="1"/>
+          <p:nvPr/>
+        </p:nvSpPr>
+        <p:spPr>
+          <a:xfrm>
+            <a:off x="4613563" y="25925"/>
+            <a:ext cx="6109855" cy="523220"/>
+          </a:xfrm>
+          <a:prstGeom prst="rect">
+            <a:avLst/>
+          </a:prstGeom>
+          <a:noFill/>
+        </p:spPr>
+        <p:txBody>
+          <a:bodyPr wrap="square" rtlCol="0">
+            <a:spAutoFit/>
+          </a:bodyPr>
+          <a:lstStyle/>
+          <a:p>
+            <a:r>
+              <a:rPr kumimoji="1" lang="en-US" altLang="zh-CN" sz="2800" b="1" dirty="0">
+                <a:latin typeface="Times New Roman" panose="02020603050405020304" pitchFamily="18" charset="0"/>
+                <a:cs typeface="Times New Roman" panose="02020603050405020304" pitchFamily="18" charset="0"/>
+              </a:rPr>
+              <a:t>Square</a:t>
+            </a:r>
+            <a:r>
+              <a:rPr kumimoji="1" lang="zh-CN" altLang="en-US" sz="2800" b="1" dirty="0">
+                <a:latin typeface="Times New Roman" panose="02020603050405020304" pitchFamily="18" charset="0"/>
+                <a:cs typeface="Times New Roman" panose="02020603050405020304" pitchFamily="18" charset="0"/>
+              </a:rPr>
+              <a:t> </a:t>
+            </a:r>
+            <a:r>
+              <a:rPr kumimoji="1" lang="en-US" altLang="zh-CN" sz="2800" b="1" dirty="0">
+                <a:latin typeface="Times New Roman" panose="02020603050405020304" pitchFamily="18" charset="0"/>
+                <a:cs typeface="Times New Roman" panose="02020603050405020304" pitchFamily="18" charset="0"/>
+              </a:rPr>
+              <a:t>with</a:t>
+            </a:r>
+            <a:r>
+              <a:rPr kumimoji="1" lang="zh-CN" altLang="en-US" sz="2800" b="1" dirty="0">
+                <a:latin typeface="Times New Roman" panose="02020603050405020304" pitchFamily="18" charset="0"/>
+                <a:cs typeface="Times New Roman" panose="02020603050405020304" pitchFamily="18" charset="0"/>
+              </a:rPr>
+              <a:t> </a:t>
+            </a:r>
+            <a:r>
+              <a:rPr kumimoji="1" lang="en-US" altLang="zh-CN" sz="2800" b="1" dirty="0">
+                <a:latin typeface="Times New Roman" panose="02020603050405020304" pitchFamily="18" charset="0"/>
+                <a:cs typeface="Times New Roman" panose="02020603050405020304" pitchFamily="18" charset="0"/>
+              </a:rPr>
+              <a:t>hole</a:t>
+            </a:r>
+            <a:endParaRPr kumimoji="1" lang="zh-CN" altLang="en-US" sz="2800" b="1" dirty="0">
+              <a:latin typeface="Times New Roman" panose="02020603050405020304" pitchFamily="18" charset="0"/>
+              <a:cs typeface="Times New Roman" panose="02020603050405020304" pitchFamily="18" charset="0"/>
+            </a:endParaRPr>
+          </a:p>
+        </p:txBody>
+      </p:sp>
+    </p:spTree>
+    <p:extLst>
+      <p:ext uri="{BB962C8B-B14F-4D97-AF65-F5344CB8AC3E}">
+        <p14:creationId xmlns:p14="http://schemas.microsoft.com/office/powerpoint/2010/main" val="56787012"/>
+      </p:ext>
+    </p:extLst>
+  </p:cSld>
+  <p:clrMapOvr>
+    <a:masterClrMapping/>
+  </p:clrMapOvr>
+</p:sld>
+</file>
+
+<file path=ppt/slides/slide2.xml><?xml version="1.0" encoding="utf-8"?>
+<p:sld xmlns:a="http://schemas.openxmlformats.org/drawingml/2006/main" xmlns:r="http://schemas.openxmlformats.org/officeDocument/2006/relationships" xmlns:p="http://schemas.openxmlformats.org/presentationml/2006/main">
+  <p:cSld>
+    <p:spTree>
+      <p:nvGrpSpPr>
+        <p:cNvPr id="1" name=""/>
+        <p:cNvGrpSpPr/>
+        <p:nvPr/>
+      </p:nvGrpSpPr>
+      <p:grpSpPr>
+        <a:xfrm>
+          <a:off x="0" y="0"/>
+          <a:ext cx="0" cy="0"/>
+          <a:chOff x="0" y="0"/>
+          <a:chExt cx="0" cy="0"/>
+        </a:xfrm>
+      </p:grpSpPr>
+      <p:pic>
+        <p:nvPicPr>
+          <p:cNvPr id="1026" name="Picture 2">
+            <a:extLst>
+              <a:ext uri="{FF2B5EF4-FFF2-40B4-BE49-F238E27FC236}">
+                <a16:creationId xmlns:a16="http://schemas.microsoft.com/office/drawing/2014/main" id="{AD1E62E3-05DE-FDA8-C5B8-E060CAC449D6}"/>
+              </a:ext>
+            </a:extLst>
+          </p:cNvPr>
+          <p:cNvPicPr>
+            <a:picLocks noChangeAspect="1" noChangeArrowheads="1"/>
+          </p:cNvPicPr>
+          <p:nvPr/>
+        </p:nvPicPr>
         <p:blipFill>
           <a:blip r:embed="rId2">
             <a:extLst>
@@ -3502,7 +4118,7 @@
 </p:sld>
 </file>
 
-<file path=ppt/slides/slide2.xml><?xml version="1.0" encoding="utf-8"?>
+<file path=ppt/slides/slide3.xml><?xml version="1.0" encoding="utf-8"?>
 <p:sld xmlns:a="http://schemas.openxmlformats.org/drawingml/2006/main" xmlns:r="http://schemas.openxmlformats.org/officeDocument/2006/relationships" xmlns:p="http://schemas.openxmlformats.org/presentationml/2006/main">
   <p:cSld>
     <p:spTree>
